--- a/okolonolya.pptx
+++ b/okolonolya.pptx
@@ -15,8 +15,9 @@
     <p:sldId id="263" r:id="rId9"/>
     <p:sldId id="264" r:id="rId10"/>
     <p:sldId id="265" r:id="rId11"/>
-    <p:sldId id="266" r:id="rId12"/>
-    <p:sldId id="267" r:id="rId13"/>
+    <p:sldId id="268" r:id="rId12"/>
+    <p:sldId id="266" r:id="rId13"/>
+    <p:sldId id="267" r:id="rId14"/>
   </p:sldIdLst>
   <p:sldSz cx="12192000" cy="6858000"/>
   <p:notesSz cx="6858000" cy="9144000"/>
@@ -270,7 +271,7 @@
           <a:p>
             <a:fld id="{0CE382C1-34A9-D14D-9379-1664EC56C7A2}" type="datetimeFigureOut">
               <a:rPr lang="ru-RU" smtClean="0"/>
-              <a:t>13.02.2020</a:t>
+              <a:t>15.02.2020</a:t>
             </a:fld>
             <a:endParaRPr lang="ru-RU"/>
           </a:p>
@@ -468,7 +469,7 @@
           <a:p>
             <a:fld id="{0CE382C1-34A9-D14D-9379-1664EC56C7A2}" type="datetimeFigureOut">
               <a:rPr lang="ru-RU" smtClean="0"/>
-              <a:t>13.02.2020</a:t>
+              <a:t>15.02.2020</a:t>
             </a:fld>
             <a:endParaRPr lang="ru-RU"/>
           </a:p>
@@ -676,7 +677,7 @@
           <a:p>
             <a:fld id="{0CE382C1-34A9-D14D-9379-1664EC56C7A2}" type="datetimeFigureOut">
               <a:rPr lang="ru-RU" smtClean="0"/>
-              <a:t>13.02.2020</a:t>
+              <a:t>15.02.2020</a:t>
             </a:fld>
             <a:endParaRPr lang="ru-RU"/>
           </a:p>
@@ -874,7 +875,7 @@
           <a:p>
             <a:fld id="{0CE382C1-34A9-D14D-9379-1664EC56C7A2}" type="datetimeFigureOut">
               <a:rPr lang="ru-RU" smtClean="0"/>
-              <a:t>13.02.2020</a:t>
+              <a:t>15.02.2020</a:t>
             </a:fld>
             <a:endParaRPr lang="ru-RU"/>
           </a:p>
@@ -1149,7 +1150,7 @@
           <a:p>
             <a:fld id="{0CE382C1-34A9-D14D-9379-1664EC56C7A2}" type="datetimeFigureOut">
               <a:rPr lang="ru-RU" smtClean="0"/>
-              <a:t>13.02.2020</a:t>
+              <a:t>15.02.2020</a:t>
             </a:fld>
             <a:endParaRPr lang="ru-RU"/>
           </a:p>
@@ -1414,7 +1415,7 @@
           <a:p>
             <a:fld id="{0CE382C1-34A9-D14D-9379-1664EC56C7A2}" type="datetimeFigureOut">
               <a:rPr lang="ru-RU" smtClean="0"/>
-              <a:t>13.02.2020</a:t>
+              <a:t>15.02.2020</a:t>
             </a:fld>
             <a:endParaRPr lang="ru-RU"/>
           </a:p>
@@ -1826,7 +1827,7 @@
           <a:p>
             <a:fld id="{0CE382C1-34A9-D14D-9379-1664EC56C7A2}" type="datetimeFigureOut">
               <a:rPr lang="ru-RU" smtClean="0"/>
-              <a:t>13.02.2020</a:t>
+              <a:t>15.02.2020</a:t>
             </a:fld>
             <a:endParaRPr lang="ru-RU"/>
           </a:p>
@@ -1967,7 +1968,7 @@
           <a:p>
             <a:fld id="{0CE382C1-34A9-D14D-9379-1664EC56C7A2}" type="datetimeFigureOut">
               <a:rPr lang="ru-RU" smtClean="0"/>
-              <a:t>13.02.2020</a:t>
+              <a:t>15.02.2020</a:t>
             </a:fld>
             <a:endParaRPr lang="ru-RU"/>
           </a:p>
@@ -2080,7 +2081,7 @@
           <a:p>
             <a:fld id="{0CE382C1-34A9-D14D-9379-1664EC56C7A2}" type="datetimeFigureOut">
               <a:rPr lang="ru-RU" smtClean="0"/>
-              <a:t>13.02.2020</a:t>
+              <a:t>15.02.2020</a:t>
             </a:fld>
             <a:endParaRPr lang="ru-RU"/>
           </a:p>
@@ -2391,7 +2392,7 @@
           <a:p>
             <a:fld id="{0CE382C1-34A9-D14D-9379-1664EC56C7A2}" type="datetimeFigureOut">
               <a:rPr lang="ru-RU" smtClean="0"/>
-              <a:t>13.02.2020</a:t>
+              <a:t>15.02.2020</a:t>
             </a:fld>
             <a:endParaRPr lang="ru-RU"/>
           </a:p>
@@ -2679,7 +2680,7 @@
           <a:p>
             <a:fld id="{0CE382C1-34A9-D14D-9379-1664EC56C7A2}" type="datetimeFigureOut">
               <a:rPr lang="ru-RU" smtClean="0"/>
-              <a:t>13.02.2020</a:t>
+              <a:t>15.02.2020</a:t>
             </a:fld>
             <a:endParaRPr lang="ru-RU"/>
           </a:p>
@@ -2920,7 +2921,7 @@
           <a:p>
             <a:fld id="{0CE382C1-34A9-D14D-9379-1664EC56C7A2}" type="datetimeFigureOut">
               <a:rPr lang="ru-RU" smtClean="0"/>
-              <a:t>13.02.2020</a:t>
+              <a:t>15.02.2020</a:t>
             </a:fld>
             <a:endParaRPr lang="ru-RU"/>
           </a:p>
@@ -3485,7 +3486,7 @@
         </p:blipFill>
         <p:spPr>
           <a:xfrm>
-            <a:off x="1914525" y="367903"/>
+            <a:off x="0" y="0"/>
             <a:ext cx="8653462" cy="6490096"/>
           </a:xfrm>
         </p:spPr>
@@ -3523,6 +3524,205 @@
             <a:r>
               <a:rPr lang="en-US" dirty="0" err="1"/>
               <a:t>Gephi</a:t>
+            </a:r>
+            <a:endParaRPr lang="ru-RU" dirty="0"/>
+          </a:p>
+        </p:txBody>
+      </p:sp>
+      <p:sp>
+        <p:nvSpPr>
+          <p:cNvPr id="3" name="Прямоугольник 2">
+            <a:extLst>
+              <a:ext uri="{FF2B5EF4-FFF2-40B4-BE49-F238E27FC236}">
+                <a16:creationId xmlns:a16="http://schemas.microsoft.com/office/drawing/2014/main" id="{4CCB3118-5F7C-9D4E-B328-7B7470ADE247}"/>
+              </a:ext>
+            </a:extLst>
+          </p:cNvPr>
+          <p:cNvSpPr/>
+          <p:nvPr/>
+        </p:nvSpPr>
+        <p:spPr>
+          <a:xfrm>
+            <a:off x="8355874" y="2129265"/>
+            <a:ext cx="3565568" cy="3416320"/>
+          </a:xfrm>
+          <a:prstGeom prst="rect">
+            <a:avLst/>
+          </a:prstGeom>
+        </p:spPr>
+        <p:txBody>
+          <a:bodyPr wrap="square">
+            <a:spAutoFit/>
+          </a:bodyPr>
+          <a:lstStyle/>
+          <a:p>
+            <a:pPr marL="342900" indent="-342900">
+              <a:buAutoNum type="arabicParenR"/>
+            </a:pPr>
+            <a:r>
+              <a:rPr lang="ru-RU" dirty="0"/>
+              <a:t>Отделить котлеты от мух</a:t>
+            </a:r>
+            <a:r>
+              <a:rPr lang="en-US" dirty="0"/>
+              <a:t>:</a:t>
+            </a:r>
+            <a:r>
+              <a:rPr lang="ru-RU" dirty="0"/>
+              <a:t> взять из «Тексты 97-07» только статьи</a:t>
+            </a:r>
+            <a:r>
+              <a:rPr lang="en-US" dirty="0"/>
+              <a:t>,</a:t>
+            </a:r>
+            <a:r>
+              <a:rPr lang="ru-RU" dirty="0"/>
+              <a:t> так как в </a:t>
+            </a:r>
+            <a:r>
+              <a:rPr lang="en-US" dirty="0" err="1"/>
+              <a:t>Surkov_Ruspioner</a:t>
+            </a:r>
+            <a:r>
+              <a:rPr lang="en-US" dirty="0"/>
+              <a:t> </a:t>
+            </a:r>
+            <a:r>
+              <a:rPr lang="ru-RU" dirty="0"/>
+              <a:t>всего 4088 слов</a:t>
+            </a:r>
+          </a:p>
+          <a:p>
+            <a:pPr marL="342900" indent="-342900">
+              <a:buAutoNum type="arabicParenR"/>
+            </a:pPr>
+            <a:r>
+              <a:rPr lang="ru-RU" dirty="0"/>
+              <a:t>Сбалансировать выборку по другим авторам (так много Сорокина</a:t>
+            </a:r>
+            <a:r>
+              <a:rPr lang="en-US" dirty="0"/>
+              <a:t>,</a:t>
+            </a:r>
+            <a:r>
+              <a:rPr lang="ru-RU" dirty="0"/>
+              <a:t> чтобы посмотреть может ли все работать при сильном дисбалансе) </a:t>
+            </a:r>
+          </a:p>
+          <a:p>
+            <a:pPr marL="342900" indent="-342900">
+              <a:buAutoNum type="arabicParenR"/>
+            </a:pPr>
+            <a:endParaRPr lang="ru-RU" dirty="0"/>
+          </a:p>
+          <a:p>
+            <a:endParaRPr lang="ru-RU" dirty="0"/>
+          </a:p>
+        </p:txBody>
+      </p:sp>
+      <p:sp>
+        <p:nvSpPr>
+          <p:cNvPr id="4" name="TextBox 3">
+            <a:extLst>
+              <a:ext uri="{FF2B5EF4-FFF2-40B4-BE49-F238E27FC236}">
+                <a16:creationId xmlns:a16="http://schemas.microsoft.com/office/drawing/2014/main" id="{474FC354-49AE-514E-908E-7DD7DB677E47}"/>
+              </a:ext>
+            </a:extLst>
+          </p:cNvPr>
+          <p:cNvSpPr txBox="1"/>
+          <p:nvPr/>
+        </p:nvSpPr>
+        <p:spPr>
+          <a:xfrm>
+            <a:off x="8355874" y="1541463"/>
+            <a:ext cx="2724015" cy="369332"/>
+          </a:xfrm>
+          <a:prstGeom prst="rect">
+            <a:avLst/>
+          </a:prstGeom>
+          <a:noFill/>
+        </p:spPr>
+        <p:txBody>
+          <a:bodyPr wrap="none" rtlCol="0">
+            <a:spAutoFit/>
+          </a:bodyPr>
+          <a:lstStyle/>
+          <a:p>
+            <a:r>
+              <a:rPr lang="en-US" dirty="0"/>
+              <a:t>So, there things to be done</a:t>
+            </a:r>
+            <a:endParaRPr lang="ru-RU" dirty="0"/>
+          </a:p>
+        </p:txBody>
+      </p:sp>
+      <p:sp>
+        <p:nvSpPr>
+          <p:cNvPr id="6" name="TextBox 5">
+            <a:extLst>
+              <a:ext uri="{FF2B5EF4-FFF2-40B4-BE49-F238E27FC236}">
+                <a16:creationId xmlns:a16="http://schemas.microsoft.com/office/drawing/2014/main" id="{28FFEDC7-CC74-004C-99D3-BE13CF499D1E}"/>
+              </a:ext>
+            </a:extLst>
+          </p:cNvPr>
+          <p:cNvSpPr txBox="1"/>
+          <p:nvPr/>
+        </p:nvSpPr>
+        <p:spPr>
+          <a:xfrm>
+            <a:off x="1985963" y="5648508"/>
+            <a:ext cx="8653462" cy="369332"/>
+          </a:xfrm>
+          <a:prstGeom prst="rect">
+            <a:avLst/>
+          </a:prstGeom>
+          <a:noFill/>
+        </p:spPr>
+        <p:txBody>
+          <a:bodyPr wrap="square" rtlCol="0">
+            <a:spAutoFit/>
+          </a:bodyPr>
+          <a:lstStyle/>
+          <a:p>
+            <a:r>
+              <a:rPr lang="ru-RU" dirty="0"/>
+              <a:t>А может все работает из-за того</a:t>
+            </a:r>
+            <a:r>
+              <a:rPr lang="en-US" dirty="0"/>
+              <a:t>,</a:t>
+            </a:r>
+            <a:r>
+              <a:rPr lang="ru-RU" dirty="0"/>
+              <a:t> что данные </a:t>
+            </a:r>
+            <a:r>
+              <a:rPr lang="ru-RU" dirty="0" err="1"/>
+              <a:t>схлопываются</a:t>
+            </a:r>
+            <a:r>
+              <a:rPr lang="ru-RU" dirty="0"/>
+              <a:t> в </a:t>
+            </a:r>
+            <a:r>
+              <a:rPr lang="en-US" dirty="0" err="1"/>
+              <a:t>stylo</a:t>
+            </a:r>
+            <a:r>
+              <a:rPr lang="ru-RU" dirty="0"/>
+              <a:t> </a:t>
+            </a:r>
+            <a:r>
+              <a:rPr lang="en-US" altLang="ja-JP" dirty="0"/>
+              <a:t>¯ \ _ (</a:t>
+            </a:r>
+            <a:r>
+              <a:rPr lang="ja-JP" altLang="en-US"/>
+              <a:t>ツ</a:t>
+            </a:r>
+            <a:r>
+              <a:rPr lang="en-US" altLang="ja-JP" dirty="0"/>
+              <a:t>) _ / ¯</a:t>
             </a:r>
             <a:endParaRPr lang="ru-RU" dirty="0"/>
           </a:p>
@@ -3558,6 +3758,151 @@
           <a:chExt cx="0" cy="0"/>
         </a:xfrm>
       </p:grpSpPr>
+      <p:sp>
+        <p:nvSpPr>
+          <p:cNvPr id="2" name="Заголовок 1">
+            <a:extLst>
+              <a:ext uri="{FF2B5EF4-FFF2-40B4-BE49-F238E27FC236}">
+                <a16:creationId xmlns:a16="http://schemas.microsoft.com/office/drawing/2014/main" id="{30549604-89E2-6D4C-B130-88E1C1E46639}"/>
+              </a:ext>
+            </a:extLst>
+          </p:cNvPr>
+          <p:cNvSpPr>
+            <a:spLocks noGrp="1"/>
+          </p:cNvSpPr>
+          <p:nvPr>
+            <p:ph type="title"/>
+          </p:nvPr>
+        </p:nvSpPr>
+        <p:spPr/>
+        <p:txBody>
+          <a:bodyPr/>
+          <a:lstStyle/>
+          <a:p>
+            <a:r>
+              <a:rPr lang="ru-RU" dirty="0"/>
+              <a:t>И в </a:t>
+            </a:r>
+            <a:r>
+              <a:rPr lang="en-US" dirty="0"/>
+              <a:t>MDS</a:t>
+            </a:r>
+            <a:endParaRPr lang="ru-RU" dirty="0"/>
+          </a:p>
+        </p:txBody>
+      </p:sp>
+      <p:pic>
+        <p:nvPicPr>
+          <p:cNvPr id="5" name="Объект 4" descr="Изображение выглядит как снимок экрана&#10;&#10;Автоматически созданное описание">
+            <a:extLst>
+              <a:ext uri="{FF2B5EF4-FFF2-40B4-BE49-F238E27FC236}">
+                <a16:creationId xmlns:a16="http://schemas.microsoft.com/office/drawing/2014/main" id="{E4D3C0D5-0291-DA48-9CAC-6B8A1DDB1D45}"/>
+              </a:ext>
+            </a:extLst>
+          </p:cNvPr>
+          <p:cNvPicPr>
+            <a:picLocks noGrp="1" noChangeAspect="1"/>
+          </p:cNvPicPr>
+          <p:nvPr>
+            <p:ph idx="1"/>
+          </p:nvPr>
+        </p:nvPicPr>
+        <p:blipFill>
+          <a:blip r:embed="rId2"/>
+          <a:stretch>
+            <a:fillRect/>
+          </a:stretch>
+        </p:blipFill>
+        <p:spPr>
+          <a:xfrm>
+            <a:off x="4495800" y="0"/>
+            <a:ext cx="6858000" cy="6858000"/>
+          </a:xfrm>
+        </p:spPr>
+      </p:pic>
+      <p:sp>
+        <p:nvSpPr>
+          <p:cNvPr id="3" name="TextBox 2">
+            <a:extLst>
+              <a:ext uri="{FF2B5EF4-FFF2-40B4-BE49-F238E27FC236}">
+                <a16:creationId xmlns:a16="http://schemas.microsoft.com/office/drawing/2014/main" id="{AEF0DE8E-BF02-8446-9784-A8DACE7A93ED}"/>
+              </a:ext>
+            </a:extLst>
+          </p:cNvPr>
+          <p:cNvSpPr txBox="1"/>
+          <p:nvPr/>
+        </p:nvSpPr>
+        <p:spPr>
+          <a:xfrm>
+            <a:off x="395416" y="1686481"/>
+            <a:ext cx="4248665" cy="1569660"/>
+          </a:xfrm>
+          <a:prstGeom prst="rect">
+            <a:avLst/>
+          </a:prstGeom>
+          <a:noFill/>
+        </p:spPr>
+        <p:txBody>
+          <a:bodyPr wrap="square" rtlCol="0">
+            <a:spAutoFit/>
+          </a:bodyPr>
+          <a:lstStyle/>
+          <a:p>
+            <a:r>
+              <a:rPr lang="en-US" sz="3200" dirty="0" err="1"/>
+              <a:t>Stylo</a:t>
+            </a:r>
+            <a:r>
+              <a:rPr lang="ru-RU" sz="3200" dirty="0"/>
+              <a:t> собирает их по похожести стилей</a:t>
+            </a:r>
+            <a:r>
+              <a:rPr lang="en-US" sz="3200" dirty="0"/>
+              <a:t>,</a:t>
+            </a:r>
+            <a:r>
+              <a:rPr lang="ru-RU" sz="3200" dirty="0"/>
+              <a:t> а не</a:t>
+            </a:r>
+          </a:p>
+          <a:p>
+            <a:r>
+              <a:rPr lang="ru-RU" sz="3200" dirty="0"/>
+              <a:t>авторству (?)</a:t>
+            </a:r>
+          </a:p>
+        </p:txBody>
+      </p:sp>
+    </p:spTree>
+    <p:extLst>
+      <p:ext uri="{BB962C8B-B14F-4D97-AF65-F5344CB8AC3E}">
+        <p14:creationId xmlns:p14="http://schemas.microsoft.com/office/powerpoint/2010/main" val="2635906488"/>
+      </p:ext>
+    </p:extLst>
+  </p:cSld>
+  <p:clrMapOvr>
+    <a:masterClrMapping/>
+  </p:clrMapOvr>
+</p:sld>
+</file>
+
+<file path=ppt/slides/slide12.xml><?xml version="1.0" encoding="utf-8"?>
+<p:sld xmlns:a="http://schemas.openxmlformats.org/drawingml/2006/main" xmlns:r="http://schemas.openxmlformats.org/officeDocument/2006/relationships" xmlns:p="http://schemas.openxmlformats.org/presentationml/2006/main">
+  <p:cSld>
+    <p:spTree>
+      <p:nvGrpSpPr>
+        <p:cNvPr id="1" name=""/>
+        <p:cNvGrpSpPr/>
+        <p:nvPr/>
+      </p:nvGrpSpPr>
+      <p:grpSpPr>
+        <a:xfrm>
+          <a:off x="0" y="0"/>
+          <a:ext cx="0" cy="0"/>
+          <a:chOff x="0" y="0"/>
+          <a:chExt cx="0" cy="0"/>
+        </a:xfrm>
+      </p:grpSpPr>
       <p:pic>
         <p:nvPicPr>
           <p:cNvPr id="6" name="Объект 5" descr="Изображение выглядит как снимок экрана&#10;&#10;Автоматически созданное описание">
@@ -3636,7 +3981,7 @@
 </p:sld>
 </file>
 
-<file path=ppt/slides/slide12.xml><?xml version="1.0" encoding="utf-8"?>
+<file path=ppt/slides/slide13.xml><?xml version="1.0" encoding="utf-8"?>
 <p:sld xmlns:a="http://schemas.openxmlformats.org/drawingml/2006/main" xmlns:r="http://schemas.openxmlformats.org/officeDocument/2006/relationships" xmlns:p="http://schemas.openxmlformats.org/presentationml/2006/main">
   <p:cSld>
     <p:spTree>
